--- a/Oral Projet WEB .pptx
+++ b/Oral Projet WEB .pptx
@@ -230,7 +230,7 @@
           <a:p>
             <a:fld id="{2B5CF0AF-0D53-4D60-9DB4-9C129193F887}" type="datetimeFigureOut">
               <a:rPr lang="fr-FR" smtClean="0"/>
-              <a:t>14/05/2017</a:t>
+              <a:t>15/05/2017</a:t>
             </a:fld>
             <a:endParaRPr lang="fr-FR"/>
           </a:p>
@@ -3302,7 +3302,7 @@
         </p:blipFill>
         <p:spPr>
           <a:xfrm>
-            <a:off x="3258510" y="373248"/>
+            <a:off x="3203848" y="373248"/>
             <a:ext cx="2540579" cy="2540579"/>
           </a:xfrm>
           <a:prstGeom prst="rect">
@@ -3384,7 +3384,6 @@
               <a:rPr lang="fr-FR" dirty="0" smtClean="0"/>
               <a:t>	</a:t>
             </a:r>
-            <a:endParaRPr lang="fr-FR" dirty="0" smtClean="0"/>
           </a:p>
           <a:p>
             <a:endParaRPr lang="fr-FR" dirty="0" smtClean="0"/>
@@ -3483,8 +3482,8 @@
         </p:blipFill>
         <p:spPr>
           <a:xfrm>
-            <a:off x="457200" y="1844824"/>
-            <a:ext cx="8334669" cy="4187515"/>
+            <a:off x="118021" y="1871253"/>
+            <a:ext cx="8907957" cy="4475547"/>
           </a:xfrm>
           <a:prstGeom prst="rect">
             <a:avLst/>
@@ -3552,13 +3551,8 @@
           <a:p>
             <a:r>
               <a:rPr lang="fr-FR" dirty="0" smtClean="0"/>
-              <a:t>Description </a:t>
-            </a:r>
-            <a:r>
-              <a:rPr lang="fr-FR" dirty="0" smtClean="0"/>
-              <a:t>de l’interface</a:t>
-            </a:r>
-            <a:endParaRPr lang="fr-FR" dirty="0" smtClean="0"/>
+              <a:t>Description de l’interface</a:t>
+            </a:r>
           </a:p>
           <a:p>
             <a:pPr lvl="1"/>
@@ -3574,17 +3568,28 @@
               <a:rPr lang="fr-FR" dirty="0" smtClean="0"/>
               <a:t>)</a:t>
             </a:r>
+          </a:p>
+          <a:p>
+            <a:pPr lvl="1"/>
+            <a:r>
+              <a:rPr lang="fr-FR" dirty="0" smtClean="0"/>
+              <a:t>Les graphes de statistique </a:t>
+            </a:r>
+            <a:r>
+              <a:rPr lang="fr-FR" smtClean="0"/>
+              <a:t>(Canvas.js)</a:t>
+            </a:r>
             <a:endParaRPr lang="fr-FR" dirty="0" smtClean="0"/>
           </a:p>
           <a:p>
             <a:pPr lvl="1"/>
             <a:r>
               <a:rPr lang="fr-FR" dirty="0" smtClean="0"/>
-              <a:t>Les graphes de statistique (Google </a:t>
+              <a:t>Intégration visuelle (</a:t>
             </a:r>
             <a:r>
               <a:rPr lang="fr-FR" dirty="0" err="1" smtClean="0"/>
-              <a:t>Charts</a:t>
+              <a:t>Bootstrap</a:t>
             </a:r>
             <a:r>
               <a:rPr lang="fr-FR" dirty="0" smtClean="0"/>
@@ -3595,11 +3600,11 @@
             <a:pPr lvl="1"/>
             <a:r>
               <a:rPr lang="fr-FR" dirty="0" smtClean="0"/>
-              <a:t>Intégration visuelle (</a:t>
+              <a:t>Barre de recherche (</a:t>
             </a:r>
             <a:r>
               <a:rPr lang="fr-FR" dirty="0" err="1" smtClean="0"/>
-              <a:t>Bootstrap</a:t>
+              <a:t>MagicSuggest</a:t>
             </a:r>
             <a:r>
               <a:rPr lang="fr-FR" dirty="0" smtClean="0"/>
@@ -3607,13 +3612,19 @@
             </a:r>
           </a:p>
           <a:p>
+            <a:r>
+              <a:rPr lang="fr-FR" dirty="0" smtClean="0"/>
+              <a:t>Difficultés éventuelles et solutions apportées</a:t>
+            </a:r>
+          </a:p>
+          <a:p>
             <a:pPr lvl="1"/>
             <a:r>
-              <a:rPr lang="fr-FR" dirty="0" smtClean="0"/>
+              <a:rPr lang="fr-FR" dirty="0"/>
               <a:t>Barre de recherche (</a:t>
             </a:r>
             <a:r>
-              <a:rPr lang="fr-FR" dirty="0" err="1" smtClean="0"/>
+              <a:rPr lang="fr-FR" dirty="0" err="1"/>
               <a:t>MagicSuggest</a:t>
             </a:r>
             <a:r>
@@ -3622,43 +3633,14 @@
             </a:r>
           </a:p>
           <a:p>
-            <a:r>
-              <a:rPr lang="fr-FR" dirty="0" smtClean="0"/>
-              <a:t>Difficultés </a:t>
-            </a:r>
-            <a:r>
-              <a:rPr lang="fr-FR" dirty="0" smtClean="0"/>
-              <a:t>éventuelles et solutions </a:t>
-            </a:r>
-            <a:r>
-              <a:rPr lang="fr-FR" dirty="0" smtClean="0"/>
-              <a:t>apportées</a:t>
-            </a:r>
-          </a:p>
-          <a:p>
-            <a:pPr lvl="1"/>
-            <a:r>
-              <a:rPr lang="fr-FR" dirty="0"/>
-              <a:t>Barre de recherche (</a:t>
-            </a:r>
-            <a:r>
-              <a:rPr lang="fr-FR" dirty="0" err="1"/>
-              <a:t>MagicSuggest</a:t>
-            </a:r>
-            <a:r>
-              <a:rPr lang="fr-FR" dirty="0" smtClean="0"/>
-              <a:t>)</a:t>
-            </a:r>
-          </a:p>
-          <a:p>
             <a:pPr lvl="1"/>
             <a:r>
               <a:rPr lang="fr-FR" dirty="0" smtClean="0"/>
               <a:t>Temps d’exécution de la </a:t>
             </a:r>
             <a:r>
-              <a:rPr lang="fr-FR" dirty="0" err="1" smtClean="0"/>
-              <a:t>selection</a:t>
+              <a:rPr lang="fr-FR" dirty="0" smtClean="0"/>
+              <a:t>sélection</a:t>
             </a:r>
             <a:endParaRPr lang="fr-FR" dirty="0"/>
           </a:p>
@@ -3854,13 +3836,8 @@
           <a:p>
             <a:r>
               <a:rPr lang="fr-FR" dirty="0" smtClean="0"/>
-              <a:t>Description </a:t>
-            </a:r>
-            <a:r>
-              <a:rPr lang="fr-FR" dirty="0" smtClean="0"/>
-              <a:t>du modèle de donnée</a:t>
-            </a:r>
-            <a:endParaRPr lang="fr-FR" dirty="0" smtClean="0"/>
+              <a:t>Description du modèle de donnée</a:t>
+            </a:r>
           </a:p>
           <a:p>
             <a:pPr lvl="1"/>
@@ -4086,7 +4063,6 @@
               <a:rPr lang="fr-FR" dirty="0" smtClean="0"/>
               <a:t>Mise en place des formulaires</a:t>
             </a:r>
-            <a:endParaRPr lang="fr-FR" dirty="0" smtClean="0"/>
           </a:p>
           <a:p>
             <a:pPr lvl="1"/>
@@ -4108,7 +4084,6 @@
               <a:rPr lang="fr-FR" dirty="0" smtClean="0"/>
               <a:t>Suppression </a:t>
             </a:r>
-            <a:endParaRPr lang="fr-FR" dirty="0" smtClean="0"/>
           </a:p>
           <a:p>
             <a:pPr lvl="1"/>
@@ -4116,16 +4091,11 @@
               <a:rPr lang="fr-FR" dirty="0" smtClean="0"/>
               <a:t>Fenêtre modal </a:t>
             </a:r>
-            <a:endParaRPr lang="fr-FR" dirty="0" smtClean="0"/>
           </a:p>
           <a:p>
             <a:r>
               <a:rPr lang="fr-FR" dirty="0" smtClean="0"/>
-              <a:t>Difficultés éventuelles et solutions </a:t>
-            </a:r>
-            <a:r>
-              <a:rPr lang="fr-FR" dirty="0" smtClean="0"/>
-              <a:t>apportées</a:t>
+              <a:t>Difficultés éventuelles et solutions apportées</a:t>
             </a:r>
             <a:endParaRPr lang="fr-FR" dirty="0"/>
           </a:p>
@@ -4325,7 +4295,6 @@
               <a:rPr lang="fr-FR" dirty="0" smtClean="0"/>
               <a:t>Intégration de la carte</a:t>
             </a:r>
-            <a:endParaRPr lang="fr-FR" dirty="0" smtClean="0"/>
           </a:p>
           <a:p>
             <a:pPr lvl="1"/>
@@ -4468,7 +4437,7 @@
         <p:spPr>
           <a:xfrm>
             <a:off x="2627784" y="1859938"/>
-            <a:ext cx="3960440" cy="272918"/>
+            <a:ext cx="3312368" cy="272918"/>
           </a:xfrm>
           <a:prstGeom prst="rect">
             <a:avLst/>
@@ -4561,11 +4530,7 @@
           <a:p>
             <a:r>
               <a:rPr lang="fr-FR" dirty="0" smtClean="0"/>
-              <a:t>Description </a:t>
-            </a:r>
-            <a:r>
-              <a:rPr lang="fr-FR" dirty="0" smtClean="0"/>
-              <a:t>des graphes</a:t>
+              <a:t>Description des graphes</a:t>
             </a:r>
             <a:endParaRPr lang="fr-FR" sz="1800" dirty="0"/>
           </a:p>

--- a/Oral Projet WEB .pptx
+++ b/Oral Projet WEB .pptx
@@ -5,17 +5,18 @@
     <p:sldMasterId id="2147483648" r:id="rId1"/>
   </p:sldMasterIdLst>
   <p:notesMasterIdLst>
-    <p:notesMasterId r:id="rId10"/>
+    <p:notesMasterId r:id="rId11"/>
   </p:notesMasterIdLst>
   <p:sldIdLst>
     <p:sldId id="280" r:id="rId2"/>
     <p:sldId id="286" r:id="rId3"/>
-    <p:sldId id="295" r:id="rId4"/>
-    <p:sldId id="296" r:id="rId5"/>
-    <p:sldId id="297" r:id="rId6"/>
-    <p:sldId id="298" r:id="rId7"/>
-    <p:sldId id="299" r:id="rId8"/>
-    <p:sldId id="294" r:id="rId9"/>
+    <p:sldId id="300" r:id="rId4"/>
+    <p:sldId id="295" r:id="rId5"/>
+    <p:sldId id="296" r:id="rId6"/>
+    <p:sldId id="297" r:id="rId7"/>
+    <p:sldId id="298" r:id="rId8"/>
+    <p:sldId id="299" r:id="rId9"/>
+    <p:sldId id="294" r:id="rId10"/>
   </p:sldIdLst>
   <p:sldSz cx="9144000" cy="6858000" type="screen4x3"/>
   <p:notesSz cx="6858000" cy="9144000"/>
@@ -3453,7 +3454,7 @@
           <a:lstStyle/>
           <a:p>
             <a:r>
-              <a:rPr lang="fr-FR" smtClean="0"/>
+              <a:rPr lang="fr-FR" dirty="0" smtClean="0"/>
               <a:t>Présentation générale</a:t>
             </a:r>
             <a:endParaRPr lang="fr-FR" dirty="0"/>
@@ -3539,123 +3540,25 @@
         </p:nvSpPr>
         <p:spPr>
           <a:xfrm>
-            <a:off x="407427" y="3178448"/>
-            <a:ext cx="8748464" cy="3168352"/>
-          </a:xfrm>
-        </p:spPr>
-        <p:txBody>
-          <a:bodyPr>
-            <a:normAutofit fontScale="77500" lnSpcReduction="20000"/>
-          </a:bodyPr>
-          <a:lstStyle/>
-          <a:p>
-            <a:r>
-              <a:rPr lang="fr-FR" dirty="0" smtClean="0"/>
-              <a:t>Description de l’interface</a:t>
-            </a:r>
-          </a:p>
-          <a:p>
-            <a:pPr lvl="1"/>
-            <a:r>
-              <a:rPr lang="fr-FR" dirty="0" smtClean="0"/>
-              <a:t>La carte (API Google </a:t>
-            </a:r>
-            <a:r>
-              <a:rPr lang="fr-FR" dirty="0" err="1" smtClean="0"/>
-              <a:t>Map</a:t>
-            </a:r>
-            <a:r>
-              <a:rPr lang="fr-FR" dirty="0" smtClean="0"/>
-              <a:t>)</a:t>
-            </a:r>
-          </a:p>
-          <a:p>
-            <a:pPr lvl="1"/>
-            <a:r>
-              <a:rPr lang="fr-FR" dirty="0" smtClean="0"/>
-              <a:t>Les graphes de statistique </a:t>
-            </a:r>
-            <a:r>
-              <a:rPr lang="fr-FR" smtClean="0"/>
-              <a:t>(Canvas.js)</a:t>
-            </a:r>
-            <a:endParaRPr lang="fr-FR" dirty="0" smtClean="0"/>
-          </a:p>
-          <a:p>
-            <a:pPr lvl="1"/>
-            <a:r>
-              <a:rPr lang="fr-FR" dirty="0" smtClean="0"/>
-              <a:t>Intégration visuelle (</a:t>
-            </a:r>
-            <a:r>
-              <a:rPr lang="fr-FR" dirty="0" err="1" smtClean="0"/>
-              <a:t>Bootstrap</a:t>
-            </a:r>
-            <a:r>
-              <a:rPr lang="fr-FR" dirty="0" smtClean="0"/>
-              <a:t>)</a:t>
-            </a:r>
-          </a:p>
-          <a:p>
-            <a:pPr lvl="1"/>
-            <a:r>
-              <a:rPr lang="fr-FR" dirty="0" smtClean="0"/>
-              <a:t>Barre de recherche (</a:t>
-            </a:r>
-            <a:r>
-              <a:rPr lang="fr-FR" dirty="0" err="1" smtClean="0"/>
-              <a:t>MagicSuggest</a:t>
-            </a:r>
-            <a:r>
-              <a:rPr lang="fr-FR" dirty="0" smtClean="0"/>
-              <a:t>)</a:t>
-            </a:r>
-          </a:p>
-          <a:p>
-            <a:r>
-              <a:rPr lang="fr-FR" dirty="0" smtClean="0"/>
-              <a:t>Difficultés éventuelles et solutions apportées</a:t>
-            </a:r>
-          </a:p>
-          <a:p>
-            <a:pPr lvl="1"/>
-            <a:r>
-              <a:rPr lang="fr-FR" dirty="0"/>
-              <a:t>Barre de recherche (</a:t>
-            </a:r>
-            <a:r>
-              <a:rPr lang="fr-FR" dirty="0" err="1"/>
-              <a:t>MagicSuggest</a:t>
-            </a:r>
-            <a:r>
-              <a:rPr lang="fr-FR" dirty="0" smtClean="0"/>
-              <a:t>)</a:t>
-            </a:r>
-          </a:p>
-          <a:p>
-            <a:pPr lvl="1"/>
-            <a:r>
-              <a:rPr lang="fr-FR" dirty="0" smtClean="0"/>
-              <a:t>Temps d’exécution de la </a:t>
-            </a:r>
-            <a:r>
-              <a:rPr lang="fr-FR" dirty="0" smtClean="0"/>
-              <a:t>sélection</a:t>
-            </a:r>
-            <a:endParaRPr lang="fr-FR" dirty="0"/>
-          </a:p>
-          <a:p>
-            <a:pPr marL="0" lvl="1" indent="0">
-              <a:spcBef>
-                <a:spcPts val="2400"/>
-              </a:spcBef>
-              <a:buSzPct val="150000"/>
+            <a:off x="2267744" y="1124744"/>
+            <a:ext cx="7427168" cy="2913187"/>
+          </a:xfrm>
+        </p:spPr>
+        <p:txBody>
+          <a:bodyPr/>
+          <a:lstStyle/>
+          <a:p>
+            <a:r>
+              <a:rPr lang="fr-FR" sz="3600" dirty="0" smtClean="0"/>
+              <a:t>Démonstration </a:t>
+            </a:r>
+            <a:endParaRPr lang="fr-FR" sz="3600" dirty="0"/>
+          </a:p>
+          <a:p>
+            <a:pPr marL="0" indent="0">
               <a:buNone/>
             </a:pPr>
             <a:endParaRPr lang="fr-FR" dirty="0"/>
-          </a:p>
-          <a:p>
-            <a:endParaRPr lang="fr-FR" dirty="0" smtClean="0"/>
           </a:p>
         </p:txBody>
       </p:sp>
@@ -3722,63 +3625,42 @@
           <a:lstStyle/>
           <a:p>
             <a:r>
-              <a:rPr lang="fr-FR" dirty="0" smtClean="0"/>
-              <a:t>Front-end (interface)</a:t>
-            </a:r>
-            <a:endParaRPr lang="fr-FR" dirty="0"/>
-          </a:p>
-        </p:txBody>
-      </p:sp>
-      <p:sp>
-        <p:nvSpPr>
-          <p:cNvPr id="9" name="Rectangle 8"/>
-          <p:cNvSpPr/>
+              <a:rPr lang="fr-FR" dirty="0"/>
+              <a:t>Présentation générale</a:t>
+            </a:r>
+          </a:p>
+        </p:txBody>
+      </p:sp>
+      <p:pic>
+        <p:nvPicPr>
+          <p:cNvPr id="7" name="Image 6">
+            <a:hlinkClick r:id="rId2" action="ppaction://hlinkfile"/>
+          </p:cNvPr>
+          <p:cNvPicPr>
+            <a:picLocks noChangeAspect="1"/>
+          </p:cNvPicPr>
           <p:nvPr/>
-        </p:nvSpPr>
-        <p:spPr>
-          <a:xfrm>
-            <a:off x="2627784" y="1859938"/>
-            <a:ext cx="2664296" cy="272918"/>
+        </p:nvPicPr>
+        <p:blipFill>
+          <a:blip r:embed="rId3"/>
+          <a:stretch>
+            <a:fillRect/>
+          </a:stretch>
+        </p:blipFill>
+        <p:spPr>
+          <a:xfrm>
+            <a:off x="1043608" y="2564904"/>
+            <a:ext cx="7192788" cy="3655063"/>
           </a:xfrm>
           <a:prstGeom prst="rect">
             <a:avLst/>
           </a:prstGeom>
-          <a:solidFill>
-            <a:srgbClr val="92D050"/>
-          </a:solidFill>
-          <a:ln>
-            <a:noFill/>
-          </a:ln>
-        </p:spPr>
-        <p:style>
-          <a:lnRef idx="2">
-            <a:schemeClr val="accent1">
-              <a:shade val="50000"/>
-            </a:schemeClr>
-          </a:lnRef>
-          <a:fillRef idx="1">
-            <a:schemeClr val="accent1"/>
-          </a:fillRef>
-          <a:effectRef idx="0">
-            <a:schemeClr val="accent1"/>
-          </a:effectRef>
-          <a:fontRef idx="minor">
-            <a:schemeClr val="lt1"/>
-          </a:fontRef>
-        </p:style>
-        <p:txBody>
-          <a:bodyPr rtlCol="0" anchor="ctr"/>
-          <a:lstStyle/>
-          <a:p>
-            <a:pPr algn="ctr"/>
-            <a:endParaRPr lang="fr-FR"/>
-          </a:p>
-        </p:txBody>
-      </p:sp>
+        </p:spPr>
+      </p:pic>
     </p:spTree>
     <p:extLst>
       <p:ext uri="{BB962C8B-B14F-4D97-AF65-F5344CB8AC3E}">
-        <p14:creationId xmlns:p14="http://schemas.microsoft.com/office/powerpoint/2010/main" val="611069107"/>
+        <p14:creationId xmlns:p14="http://schemas.microsoft.com/office/powerpoint/2010/main" val="2425329065"/>
       </p:ext>
     </p:extLst>
   </p:cSld>
@@ -3824,42 +3706,77 @@
         </p:nvSpPr>
         <p:spPr>
           <a:xfrm>
-            <a:off x="529208" y="3212976"/>
-            <a:ext cx="8229600" cy="2808312"/>
+            <a:off x="407427" y="3178448"/>
+            <a:ext cx="8748464" cy="3168352"/>
           </a:xfrm>
         </p:spPr>
         <p:txBody>
           <a:bodyPr>
-            <a:normAutofit fontScale="92500" lnSpcReduction="20000"/>
+            <a:normAutofit fontScale="77500" lnSpcReduction="20000"/>
           </a:bodyPr>
           <a:lstStyle/>
           <a:p>
             <a:r>
               <a:rPr lang="fr-FR" dirty="0" smtClean="0"/>
-              <a:t>Description du modèle de donnée</a:t>
+              <a:t>Description de l’interface</a:t>
             </a:r>
           </a:p>
           <a:p>
             <a:pPr lvl="1"/>
             <a:r>
               <a:rPr lang="fr-FR" dirty="0" smtClean="0"/>
-              <a:t>PIB par pays</a:t>
+              <a:t>La carte (API Google </a:t>
+            </a:r>
+            <a:r>
+              <a:rPr lang="fr-FR" dirty="0" err="1" smtClean="0"/>
+              <a:t>Map</a:t>
+            </a:r>
+            <a:r>
+              <a:rPr lang="fr-FR" dirty="0" smtClean="0"/>
+              <a:t>)</a:t>
             </a:r>
           </a:p>
           <a:p>
             <a:pPr lvl="1"/>
             <a:r>
               <a:rPr lang="fr-FR" dirty="0" smtClean="0"/>
-              <a:t>Natalité et Mortalité par pays</a:t>
-            </a:r>
+              <a:t>Les graphes de statistique </a:t>
+            </a:r>
+            <a:r>
+              <a:rPr lang="fr-FR" dirty="0" smtClean="0"/>
+              <a:t>(Canvas.js)</a:t>
+            </a:r>
+            <a:endParaRPr lang="fr-FR" dirty="0" smtClean="0"/>
           </a:p>
           <a:p>
             <a:pPr lvl="1"/>
             <a:r>
+              <a:rPr lang="fr-FR" dirty="0" smtClean="0"/>
+              <a:t>Intégration visuelle (</a:t>
+            </a:r>
+            <a:r>
               <a:rPr lang="fr-FR" dirty="0" err="1" smtClean="0"/>
-              <a:t>IndexedDB</a:t>
-            </a:r>
-            <a:endParaRPr lang="fr-FR" dirty="0" smtClean="0"/>
+              <a:t>Bootstrap</a:t>
+            </a:r>
+            <a:r>
+              <a:rPr lang="fr-FR" dirty="0" smtClean="0"/>
+              <a:t>)</a:t>
+            </a:r>
+          </a:p>
+          <a:p>
+            <a:pPr lvl="1"/>
+            <a:r>
+              <a:rPr lang="fr-FR" dirty="0" smtClean="0"/>
+              <a:t>Barre de recherche (</a:t>
+            </a:r>
+            <a:r>
+              <a:rPr lang="fr-FR" dirty="0" err="1" smtClean="0"/>
+              <a:t>MagicSuggest</a:t>
+            </a:r>
+            <a:r>
+              <a:rPr lang="fr-FR" dirty="0" smtClean="0"/>
+              <a:t>)</a:t>
+            </a:r>
           </a:p>
           <a:p>
             <a:r>
@@ -3870,21 +3787,41 @@
           <a:p>
             <a:pPr lvl="1"/>
             <a:r>
+              <a:rPr lang="fr-FR" dirty="0"/>
+              <a:t>Barre de recherche (</a:t>
+            </a:r>
+            <a:r>
+              <a:rPr lang="fr-FR" dirty="0" err="1"/>
+              <a:t>MagicSuggest</a:t>
+            </a:r>
+            <a:r>
               <a:rPr lang="fr-FR" dirty="0" smtClean="0"/>
-              <a:t>Fusion des données carte VS base de donnée</a:t>
+              <a:t>)</a:t>
+            </a:r>
+          </a:p>
+          <a:p>
+            <a:pPr lvl="1"/>
+            <a:r>
+              <a:rPr lang="fr-FR" dirty="0" smtClean="0"/>
+              <a:t>Temps d’exécution de la </a:t>
+            </a:r>
+            <a:r>
+              <a:rPr lang="fr-FR" dirty="0" smtClean="0"/>
+              <a:t>sélection</a:t>
             </a:r>
             <a:endParaRPr lang="fr-FR" dirty="0"/>
           </a:p>
           <a:p>
-            <a:pPr marL="0" indent="0">
+            <a:pPr marL="0" lvl="1" indent="0">
+              <a:spcBef>
+                <a:spcPts val="2400"/>
+              </a:spcBef>
+              <a:buSzPct val="150000"/>
               <a:buNone/>
             </a:pPr>
-            <a:endParaRPr lang="fr-FR" dirty="0" smtClean="0"/>
-          </a:p>
-          <a:p>
-            <a:pPr marL="0" indent="0">
-              <a:buNone/>
-            </a:pPr>
+            <a:endParaRPr lang="fr-FR" dirty="0"/>
+          </a:p>
+          <a:p>
             <a:endParaRPr lang="fr-FR" dirty="0" smtClean="0"/>
           </a:p>
         </p:txBody>
@@ -3953,7 +3890,7 @@
           <a:p>
             <a:r>
               <a:rPr lang="fr-FR" dirty="0" smtClean="0"/>
-              <a:t>Données</a:t>
+              <a:t>Front-end (interface)</a:t>
             </a:r>
             <a:endParaRPr lang="fr-FR" dirty="0"/>
           </a:p>
@@ -3967,8 +3904,8 @@
         </p:nvSpPr>
         <p:spPr>
           <a:xfrm>
-            <a:off x="2579754" y="1855180"/>
-            <a:ext cx="2064254" cy="277676"/>
+            <a:off x="2627784" y="1859938"/>
+            <a:ext cx="3960440" cy="272918"/>
           </a:xfrm>
           <a:prstGeom prst="rect">
             <a:avLst/>
@@ -4008,7 +3945,7 @@
     </p:spTree>
     <p:extLst>
       <p:ext uri="{BB962C8B-B14F-4D97-AF65-F5344CB8AC3E}">
-        <p14:creationId xmlns:p14="http://schemas.microsoft.com/office/powerpoint/2010/main" val="2941902783"/>
+        <p14:creationId xmlns:p14="http://schemas.microsoft.com/office/powerpoint/2010/main" val="611069107"/>
       </p:ext>
     </p:extLst>
   </p:cSld>
@@ -4052,66 +3989,58 @@
             <p:ph idx="1"/>
           </p:nvPr>
         </p:nvSpPr>
-        <p:spPr/>
+        <p:spPr>
+          <a:xfrm>
+            <a:off x="529208" y="3212976"/>
+            <a:ext cx="8229600" cy="2808312"/>
+          </a:xfrm>
+        </p:spPr>
         <p:txBody>
           <a:bodyPr>
-            <a:normAutofit fontScale="85000" lnSpcReduction="20000"/>
+            <a:normAutofit fontScale="92500" lnSpcReduction="20000"/>
           </a:bodyPr>
           <a:lstStyle/>
           <a:p>
             <a:r>
               <a:rPr lang="fr-FR" dirty="0" smtClean="0"/>
-              <a:t>Mise en place des formulaires</a:t>
+              <a:t>Description du modèle de donnée</a:t>
             </a:r>
           </a:p>
           <a:p>
             <a:pPr lvl="1"/>
             <a:r>
               <a:rPr lang="fr-FR" dirty="0" smtClean="0"/>
-              <a:t>Ajout d’une donnée</a:t>
+              <a:t>PIB par pays</a:t>
             </a:r>
           </a:p>
           <a:p>
             <a:pPr lvl="1"/>
             <a:r>
               <a:rPr lang="fr-FR" dirty="0" smtClean="0"/>
-              <a:t>Modification </a:t>
+              <a:t>Natalité et Mortalité par pays</a:t>
             </a:r>
           </a:p>
           <a:p>
             <a:pPr lvl="1"/>
             <a:r>
-              <a:rPr lang="fr-FR" dirty="0" smtClean="0"/>
-              <a:t>Suppression </a:t>
-            </a:r>
-          </a:p>
-          <a:p>
-            <a:pPr lvl="1"/>
-            <a:r>
-              <a:rPr lang="fr-FR" dirty="0" smtClean="0"/>
-              <a:t>Fenêtre modal </a:t>
-            </a:r>
+              <a:rPr lang="fr-FR" dirty="0" err="1" smtClean="0"/>
+              <a:t>IndexedDB</a:t>
+            </a:r>
+            <a:endParaRPr lang="fr-FR" dirty="0" smtClean="0"/>
           </a:p>
           <a:p>
             <a:r>
               <a:rPr lang="fr-FR" dirty="0" smtClean="0"/>
               <a:t>Difficultés éventuelles et solutions apportées</a:t>
             </a:r>
+          </a:p>
+          <a:p>
+            <a:pPr lvl="1"/>
+            <a:r>
+              <a:rPr lang="fr-FR" dirty="0" smtClean="0"/>
+              <a:t>Fusion des données carte VS base de donnée</a:t>
+            </a:r>
             <a:endParaRPr lang="fr-FR" dirty="0"/>
-          </a:p>
-          <a:p>
-            <a:pPr lvl="1"/>
-            <a:r>
-              <a:rPr lang="fr-FR" dirty="0" smtClean="0"/>
-              <a:t>Problème de synchronisation </a:t>
-            </a:r>
-          </a:p>
-          <a:p>
-            <a:pPr lvl="1"/>
-            <a:r>
-              <a:rPr lang="fr-FR" dirty="0" smtClean="0"/>
-              <a:t>Affichage de la totalité de la BD</a:t>
-            </a:r>
           </a:p>
           <a:p>
             <a:pPr marL="0" indent="0">
@@ -4119,6 +4048,12 @@
             </a:pPr>
             <a:endParaRPr lang="fr-FR" dirty="0" smtClean="0"/>
           </a:p>
+          <a:p>
+            <a:pPr marL="0" indent="0">
+              <a:buNone/>
+            </a:pPr>
+            <a:endParaRPr lang="fr-FR" dirty="0" smtClean="0"/>
+          </a:p>
         </p:txBody>
       </p:sp>
       <p:sp>
@@ -4185,7 +4120,7 @@
           <a:p>
             <a:r>
               <a:rPr lang="fr-FR" dirty="0" smtClean="0"/>
-              <a:t>Formulaires</a:t>
+              <a:t>Données</a:t>
             </a:r>
             <a:endParaRPr lang="fr-FR" dirty="0"/>
           </a:p>
@@ -4199,8 +4134,8 @@
         </p:nvSpPr>
         <p:spPr>
           <a:xfrm>
-            <a:off x="2627784" y="1844824"/>
-            <a:ext cx="2664296" cy="288032"/>
+            <a:off x="2579754" y="1855180"/>
+            <a:ext cx="4008470" cy="277676"/>
           </a:xfrm>
           <a:prstGeom prst="rect">
             <a:avLst/>
@@ -4240,7 +4175,7 @@
     </p:spTree>
     <p:extLst>
       <p:ext uri="{BB962C8B-B14F-4D97-AF65-F5344CB8AC3E}">
-        <p14:creationId xmlns:p14="http://schemas.microsoft.com/office/powerpoint/2010/main" val="168677971"/>
+        <p14:creationId xmlns:p14="http://schemas.microsoft.com/office/powerpoint/2010/main" val="2941902783"/>
       </p:ext>
     </p:extLst>
   </p:cSld>
@@ -4287,68 +4222,63 @@
         <p:spPr/>
         <p:txBody>
           <a:bodyPr>
-            <a:normAutofit/>
+            <a:normAutofit fontScale="85000" lnSpcReduction="20000"/>
           </a:bodyPr>
           <a:lstStyle/>
           <a:p>
             <a:r>
               <a:rPr lang="fr-FR" dirty="0" smtClean="0"/>
-              <a:t>Intégration de la carte</a:t>
+              <a:t>Mise en place des formulaires</a:t>
             </a:r>
           </a:p>
           <a:p>
             <a:pPr lvl="1"/>
             <a:r>
               <a:rPr lang="fr-FR" dirty="0" smtClean="0"/>
-              <a:t>API Google </a:t>
-            </a:r>
-            <a:r>
-              <a:rPr lang="fr-FR" dirty="0" err="1" smtClean="0"/>
-              <a:t>Map</a:t>
-            </a:r>
-            <a:endParaRPr lang="fr-FR" dirty="0" smtClean="0"/>
+              <a:t>Ajout d’une donnée</a:t>
+            </a:r>
           </a:p>
           <a:p>
             <a:pPr lvl="1"/>
             <a:r>
-              <a:rPr lang="fr-FR" dirty="0"/>
-              <a:t>Les </a:t>
-            </a:r>
-            <a:r>
-              <a:rPr lang="fr-FR" b="1" dirty="0" err="1" smtClean="0"/>
-              <a:t>FusionTablesLayer</a:t>
-            </a:r>
-            <a:r>
               <a:rPr lang="fr-FR" dirty="0" smtClean="0"/>
-              <a:t> avec un fichier .</a:t>
-            </a:r>
-            <a:r>
-              <a:rPr lang="fr-FR" dirty="0" err="1" smtClean="0"/>
-              <a:t>kml</a:t>
-            </a:r>
-            <a:endParaRPr lang="fr-FR" dirty="0" smtClean="0"/>
-          </a:p>
-          <a:p>
+              <a:t>Modification </a:t>
+            </a:r>
+          </a:p>
+          <a:p>
+            <a:pPr lvl="1"/>
             <a:r>
               <a:rPr lang="fr-FR" dirty="0" smtClean="0"/>
-              <a:t>Difficultés éventuelles et </a:t>
-            </a:r>
-            <a:r>
-              <a:rPr lang="fr-FR" dirty="0"/>
-              <a:t>solutions apportées</a:t>
+              <a:t>Suppression </a:t>
             </a:r>
           </a:p>
           <a:p>
             <a:pPr lvl="1"/>
             <a:r>
-              <a:rPr lang="fr-FR" dirty="0" err="1" smtClean="0"/>
-              <a:t>FusionTablesLayer</a:t>
-            </a:r>
-            <a:r>
               <a:rPr lang="fr-FR" dirty="0" smtClean="0"/>
-              <a:t> un outil complexe</a:t>
+              <a:t>Fenêtre modal </a:t>
+            </a:r>
+          </a:p>
+          <a:p>
+            <a:r>
+              <a:rPr lang="fr-FR" dirty="0" smtClean="0"/>
+              <a:t>Difficultés éventuelles et solutions apportées</a:t>
             </a:r>
             <a:endParaRPr lang="fr-FR" dirty="0"/>
+          </a:p>
+          <a:p>
+            <a:pPr lvl="1"/>
+            <a:r>
+              <a:rPr lang="fr-FR" dirty="0" smtClean="0"/>
+              <a:t>Problème de synchronisation </a:t>
+            </a:r>
+          </a:p>
+          <a:p>
+            <a:pPr lvl="1"/>
+            <a:r>
+              <a:rPr lang="fr-FR" dirty="0" smtClean="0"/>
+              <a:t>Affichage de la totalité de la BD</a:t>
+            </a:r>
           </a:p>
           <a:p>
             <a:pPr marL="0" indent="0">
@@ -4422,7 +4352,7 @@
           <a:p>
             <a:r>
               <a:rPr lang="fr-FR" dirty="0" smtClean="0"/>
-              <a:t>Affichage cartographique</a:t>
+              <a:t>Formulaires</a:t>
             </a:r>
             <a:endParaRPr lang="fr-FR" dirty="0"/>
           </a:p>
@@ -4436,8 +4366,8 @@
         </p:nvSpPr>
         <p:spPr>
           <a:xfrm>
-            <a:off x="2627784" y="1859938"/>
-            <a:ext cx="3312368" cy="272918"/>
+            <a:off x="2627784" y="1844824"/>
+            <a:ext cx="3960440" cy="288032"/>
           </a:xfrm>
           <a:prstGeom prst="rect">
             <a:avLst/>
@@ -4477,7 +4407,7 @@
     </p:spTree>
     <p:extLst>
       <p:ext uri="{BB962C8B-B14F-4D97-AF65-F5344CB8AC3E}">
-        <p14:creationId xmlns:p14="http://schemas.microsoft.com/office/powerpoint/2010/main" val="69412187"/>
+        <p14:creationId xmlns:p14="http://schemas.microsoft.com/office/powerpoint/2010/main" val="168677971"/>
       </p:ext>
     </p:extLst>
   </p:cSld>
@@ -4524,6 +4454,243 @@
         <p:spPr/>
         <p:txBody>
           <a:bodyPr>
+            <a:normAutofit/>
+          </a:bodyPr>
+          <a:lstStyle/>
+          <a:p>
+            <a:r>
+              <a:rPr lang="fr-FR" dirty="0" smtClean="0"/>
+              <a:t>Intégration de la carte</a:t>
+            </a:r>
+          </a:p>
+          <a:p>
+            <a:pPr lvl="1"/>
+            <a:r>
+              <a:rPr lang="fr-FR" dirty="0" smtClean="0"/>
+              <a:t>API Google </a:t>
+            </a:r>
+            <a:r>
+              <a:rPr lang="fr-FR" dirty="0" err="1" smtClean="0"/>
+              <a:t>Map</a:t>
+            </a:r>
+            <a:endParaRPr lang="fr-FR" dirty="0" smtClean="0"/>
+          </a:p>
+          <a:p>
+            <a:pPr lvl="1"/>
+            <a:r>
+              <a:rPr lang="fr-FR" dirty="0"/>
+              <a:t>Les </a:t>
+            </a:r>
+            <a:r>
+              <a:rPr lang="fr-FR" b="1" dirty="0" err="1" smtClean="0"/>
+              <a:t>FusionTablesLayer</a:t>
+            </a:r>
+            <a:r>
+              <a:rPr lang="fr-FR" dirty="0" smtClean="0"/>
+              <a:t> avec un fichier .</a:t>
+            </a:r>
+            <a:r>
+              <a:rPr lang="fr-FR" dirty="0" err="1" smtClean="0"/>
+              <a:t>kml</a:t>
+            </a:r>
+            <a:endParaRPr lang="fr-FR" dirty="0" smtClean="0"/>
+          </a:p>
+          <a:p>
+            <a:r>
+              <a:rPr lang="fr-FR" dirty="0" smtClean="0"/>
+              <a:t>Difficultés éventuelles et </a:t>
+            </a:r>
+            <a:r>
+              <a:rPr lang="fr-FR" dirty="0"/>
+              <a:t>solutions apportées</a:t>
+            </a:r>
+          </a:p>
+          <a:p>
+            <a:pPr lvl="1"/>
+            <a:r>
+              <a:rPr lang="fr-FR" dirty="0" err="1" smtClean="0"/>
+              <a:t>FusionTablesLayer</a:t>
+            </a:r>
+            <a:r>
+              <a:rPr lang="fr-FR" dirty="0" smtClean="0"/>
+              <a:t> un outil complexe</a:t>
+            </a:r>
+            <a:endParaRPr lang="fr-FR" dirty="0"/>
+          </a:p>
+          <a:p>
+            <a:pPr marL="0" indent="0">
+              <a:buNone/>
+            </a:pPr>
+            <a:endParaRPr lang="fr-FR" dirty="0" smtClean="0"/>
+          </a:p>
+        </p:txBody>
+      </p:sp>
+      <p:sp>
+        <p:nvSpPr>
+          <p:cNvPr id="3" name="Espace réservé du pied de page 2"/>
+          <p:cNvSpPr>
+            <a:spLocks noGrp="1"/>
+          </p:cNvSpPr>
+          <p:nvPr>
+            <p:ph type="ftr" sz="quarter" idx="11"/>
+          </p:nvPr>
+        </p:nvSpPr>
+        <p:spPr/>
+        <p:txBody>
+          <a:bodyPr/>
+          <a:lstStyle/>
+          <a:p>
+            <a:r>
+              <a:rPr lang="fr-FR" smtClean="0"/>
+              <a:t>Cours Java et la POO (janvier 2015)</a:t>
+            </a:r>
+            <a:endParaRPr lang="fr-FR" dirty="0"/>
+          </a:p>
+        </p:txBody>
+      </p:sp>
+      <p:sp>
+        <p:nvSpPr>
+          <p:cNvPr id="4" name="Espace réservé du numéro de diapositive 3"/>
+          <p:cNvSpPr>
+            <a:spLocks noGrp="1"/>
+          </p:cNvSpPr>
+          <p:nvPr>
+            <p:ph type="sldNum" sz="quarter" idx="12"/>
+          </p:nvPr>
+        </p:nvSpPr>
+        <p:spPr/>
+        <p:txBody>
+          <a:bodyPr/>
+          <a:lstStyle/>
+          <a:p>
+            <a:fld id="{D873CED6-CB6E-487D-938B-8DF4B34D67F5}" type="slidenum">
+              <a:rPr lang="fr-FR" smtClean="0"/>
+              <a:pPr/>
+              <a:t>7</a:t>
+            </a:fld>
+            <a:endParaRPr lang="fr-FR" dirty="0"/>
+          </a:p>
+        </p:txBody>
+      </p:sp>
+      <p:sp>
+        <p:nvSpPr>
+          <p:cNvPr id="5" name="Titre 4"/>
+          <p:cNvSpPr>
+            <a:spLocks noGrp="1"/>
+          </p:cNvSpPr>
+          <p:nvPr>
+            <p:ph type="title"/>
+          </p:nvPr>
+        </p:nvSpPr>
+        <p:spPr/>
+        <p:txBody>
+          <a:bodyPr/>
+          <a:lstStyle/>
+          <a:p>
+            <a:r>
+              <a:rPr lang="fr-FR" dirty="0" smtClean="0"/>
+              <a:t>Affichage cartographique</a:t>
+            </a:r>
+            <a:endParaRPr lang="fr-FR" dirty="0"/>
+          </a:p>
+        </p:txBody>
+      </p:sp>
+      <p:sp>
+        <p:nvSpPr>
+          <p:cNvPr id="9" name="Rectangle 8"/>
+          <p:cNvSpPr/>
+          <p:nvPr/>
+        </p:nvSpPr>
+        <p:spPr>
+          <a:xfrm>
+            <a:off x="2627784" y="1859938"/>
+            <a:ext cx="4608512" cy="272918"/>
+          </a:xfrm>
+          <a:prstGeom prst="rect">
+            <a:avLst/>
+          </a:prstGeom>
+          <a:solidFill>
+            <a:srgbClr val="92D050"/>
+          </a:solidFill>
+          <a:ln>
+            <a:noFill/>
+          </a:ln>
+        </p:spPr>
+        <p:style>
+          <a:lnRef idx="2">
+            <a:schemeClr val="accent1">
+              <a:shade val="50000"/>
+            </a:schemeClr>
+          </a:lnRef>
+          <a:fillRef idx="1">
+            <a:schemeClr val="accent1"/>
+          </a:fillRef>
+          <a:effectRef idx="0">
+            <a:schemeClr val="accent1"/>
+          </a:effectRef>
+          <a:fontRef idx="minor">
+            <a:schemeClr val="lt1"/>
+          </a:fontRef>
+        </p:style>
+        <p:txBody>
+          <a:bodyPr rtlCol="0" anchor="ctr"/>
+          <a:lstStyle/>
+          <a:p>
+            <a:pPr algn="ctr"/>
+            <a:endParaRPr lang="fr-FR"/>
+          </a:p>
+        </p:txBody>
+      </p:sp>
+    </p:spTree>
+    <p:extLst>
+      <p:ext uri="{BB962C8B-B14F-4D97-AF65-F5344CB8AC3E}">
+        <p14:creationId xmlns:p14="http://schemas.microsoft.com/office/powerpoint/2010/main" val="69412187"/>
+      </p:ext>
+    </p:extLst>
+  </p:cSld>
+  <p:clrMapOvr>
+    <a:masterClrMapping/>
+  </p:clrMapOvr>
+  <p:timing>
+    <p:tnLst>
+      <p:par>
+        <p:cTn id="1" dur="indefinite" restart="never" nodeType="tmRoot"/>
+      </p:par>
+    </p:tnLst>
+  </p:timing>
+</p:sld>
+</file>
+
+<file path=ppt/slides/slide8.xml><?xml version="1.0" encoding="utf-8"?>
+<p:sld xmlns:a="http://schemas.openxmlformats.org/drawingml/2006/main" xmlns:r="http://schemas.openxmlformats.org/officeDocument/2006/relationships" xmlns:p="http://schemas.openxmlformats.org/presentationml/2006/main">
+  <p:cSld>
+    <p:spTree>
+      <p:nvGrpSpPr>
+        <p:cNvPr id="1" name=""/>
+        <p:cNvGrpSpPr/>
+        <p:nvPr/>
+      </p:nvGrpSpPr>
+      <p:grpSpPr>
+        <a:xfrm>
+          <a:off x="0" y="0"/>
+          <a:ext cx="0" cy="0"/>
+          <a:chOff x="0" y="0"/>
+          <a:chExt cx="0" cy="0"/>
+        </a:xfrm>
+      </p:grpSpPr>
+      <p:sp>
+        <p:nvSpPr>
+          <p:cNvPr id="2" name="Espace réservé du contenu 1"/>
+          <p:cNvSpPr>
+            <a:spLocks noGrp="1"/>
+          </p:cNvSpPr>
+          <p:nvPr>
+            <p:ph idx="1"/>
+          </p:nvPr>
+        </p:nvSpPr>
+        <p:spPr/>
+        <p:txBody>
+          <a:bodyPr>
             <a:normAutofit fontScale="92500"/>
           </a:bodyPr>
           <a:lstStyle/>
@@ -4612,7 +4779,7 @@
             <a:fld id="{D873CED6-CB6E-487D-938B-8DF4B34D67F5}" type="slidenum">
               <a:rPr lang="fr-FR" smtClean="0"/>
               <a:pPr/>
-              <a:t>7</a:t>
+              <a:t>8</a:t>
             </a:fld>
             <a:endParaRPr lang="fr-FR" dirty="0"/>
           </a:p>
@@ -4707,7 +4874,7 @@
 </p:sld>
 </file>
 
-<file path=ppt/slides/slide8.xml><?xml version="1.0" encoding="utf-8"?>
+<file path=ppt/slides/slide9.xml><?xml version="1.0" encoding="utf-8"?>
 <p:sld xmlns:a="http://schemas.openxmlformats.org/drawingml/2006/main" xmlns:r="http://schemas.openxmlformats.org/officeDocument/2006/relationships" xmlns:p="http://schemas.openxmlformats.org/presentationml/2006/main">
   <p:cSld>
     <p:spTree>
@@ -5038,7 +5205,7 @@
             <a:fld id="{D873CED6-CB6E-487D-938B-8DF4B34D67F5}" type="slidenum">
               <a:rPr lang="fr-FR" smtClean="0"/>
               <a:pPr/>
-              <a:t>8</a:t>
+              <a:t>9</a:t>
             </a:fld>
             <a:endParaRPr lang="fr-FR" dirty="0"/>
           </a:p>

--- a/Oral Projet WEB .pptx
+++ b/Oral Projet WEB .pptx
@@ -3706,13 +3706,13 @@
         </p:nvSpPr>
         <p:spPr>
           <a:xfrm>
-            <a:off x="407427" y="3178448"/>
+            <a:off x="410195" y="2924944"/>
             <a:ext cx="8748464" cy="3168352"/>
           </a:xfrm>
         </p:spPr>
         <p:txBody>
           <a:bodyPr>
-            <a:normAutofit fontScale="77500" lnSpcReduction="20000"/>
+            <a:normAutofit fontScale="92500" lnSpcReduction="20000"/>
           </a:bodyPr>
           <a:lstStyle/>
           <a:p>
@@ -3740,13 +3740,8 @@
             <a:pPr lvl="1"/>
             <a:r>
               <a:rPr lang="fr-FR" dirty="0" smtClean="0"/>
-              <a:t>Les graphes de statistique </a:t>
-            </a:r>
-            <a:r>
-              <a:rPr lang="fr-FR" dirty="0" smtClean="0"/>
-              <a:t>(Canvas.js)</a:t>
-            </a:r>
-            <a:endParaRPr lang="fr-FR" dirty="0" smtClean="0"/>
+              <a:t>Les graphes de statistique (Canvas.js)</a:t>
+            </a:r>
           </a:p>
           <a:p>
             <a:pPr lvl="1"/>
@@ -3798,27 +3793,6 @@
               <a:rPr lang="fr-FR" dirty="0" smtClean="0"/>
               <a:t>)</a:t>
             </a:r>
-          </a:p>
-          <a:p>
-            <a:pPr lvl="1"/>
-            <a:r>
-              <a:rPr lang="fr-FR" dirty="0" smtClean="0"/>
-              <a:t>Temps d’exécution de la </a:t>
-            </a:r>
-            <a:r>
-              <a:rPr lang="fr-FR" dirty="0" smtClean="0"/>
-              <a:t>sélection</a:t>
-            </a:r>
-            <a:endParaRPr lang="fr-FR" dirty="0"/>
-          </a:p>
-          <a:p>
-            <a:pPr marL="0" lvl="1" indent="0">
-              <a:spcBef>
-                <a:spcPts val="2400"/>
-              </a:spcBef>
-              <a:buSzPct val="150000"/>
-              <a:buNone/>
-            </a:pPr>
             <a:endParaRPr lang="fr-FR" dirty="0"/>
           </a:p>
           <a:p>
@@ -3905,7 +3879,7 @@
         <p:spPr>
           <a:xfrm>
             <a:off x="2627784" y="1859938"/>
-            <a:ext cx="3960440" cy="272918"/>
+            <a:ext cx="4608512" cy="272918"/>
           </a:xfrm>
           <a:prstGeom prst="rect">
             <a:avLst/>
@@ -4688,7 +4662,12 @@
             <p:ph idx="1"/>
           </p:nvPr>
         </p:nvSpPr>
-        <p:spPr/>
+        <p:spPr>
+          <a:xfrm>
+            <a:off x="430156" y="2497264"/>
+            <a:ext cx="8229600" cy="3417243"/>
+          </a:xfrm>
+        </p:spPr>
         <p:txBody>
           <a:bodyPr>
             <a:normAutofit fontScale="92500"/>
@@ -4704,30 +4683,19 @@
           <a:p>
             <a:pPr lvl="1"/>
             <a:r>
-              <a:rPr lang="fr-FR" dirty="0" err="1" smtClean="0"/>
-              <a:t>Canvas</a:t>
-            </a:r>
-            <a:endParaRPr lang="fr-FR" dirty="0" smtClean="0"/>
+              <a:rPr lang="fr-FR" b="1" dirty="0" err="1" smtClean="0"/>
+              <a:t>CanvasJS</a:t>
+            </a:r>
+            <a:r>
+              <a:rPr lang="fr-FR" dirty="0" smtClean="0"/>
+              <a:t> : Création via fonctions</a:t>
+            </a:r>
           </a:p>
           <a:p>
             <a:pPr lvl="1"/>
             <a:r>
               <a:rPr lang="fr-FR" dirty="0" smtClean="0"/>
-              <a:t>Fonctionnalités de l’affichage statistique</a:t>
-            </a:r>
-          </a:p>
-          <a:p>
-            <a:pPr lvl="2"/>
-            <a:r>
-              <a:rPr lang="fr-FR" dirty="0" smtClean="0"/>
-              <a:t>L’utilisateur peut-il paramétrer ou contrôler  l’affichage statistique de manière dynamique ?</a:t>
-            </a:r>
-          </a:p>
-          <a:p>
-            <a:pPr lvl="2"/>
-            <a:r>
-              <a:rPr lang="fr-FR" dirty="0" smtClean="0"/>
-              <a:t>Etc.</a:t>
+              <a:t>Fonctionnalités de l’affichage statistique : Pays sélectionnés sur la carte</a:t>
             </a:r>
           </a:p>
           <a:p>
@@ -4735,6 +4703,15 @@
               <a:rPr lang="fr-FR" dirty="0" smtClean="0"/>
               <a:t>Difficultés éventuelles et solutions apportées</a:t>
             </a:r>
+            <a:endParaRPr lang="fr-FR" dirty="0"/>
+          </a:p>
+          <a:p>
+            <a:pPr lvl="1"/>
+            <a:r>
+              <a:rPr lang="fr-FR" dirty="0" smtClean="0"/>
+              <a:t>Animations </a:t>
+            </a:r>
+            <a:endParaRPr lang="fr-FR" dirty="0" smtClean="0"/>
           </a:p>
         </p:txBody>
       </p:sp>
@@ -4816,8 +4793,8 @@
         </p:nvSpPr>
         <p:spPr>
           <a:xfrm>
-            <a:off x="2627784" y="1859938"/>
-            <a:ext cx="3384376" cy="272918"/>
+            <a:off x="2627785" y="1859938"/>
+            <a:ext cx="3312368" cy="272918"/>
           </a:xfrm>
           <a:prstGeom prst="rect">
             <a:avLst/>
@@ -4901,14 +4878,14 @@
             <p:ph idx="1"/>
             <p:extLst>
               <p:ext uri="{D42A27DB-BD31-4B8C-83A1-F6EECF244321}">
-                <p14:modId xmlns:p14="http://schemas.microsoft.com/office/powerpoint/2010/main" val="3725169716"/>
+                <p14:modId xmlns:p14="http://schemas.microsoft.com/office/powerpoint/2010/main" val="3737205654"/>
               </p:ext>
             </p:extLst>
           </p:nvPr>
         </p:nvGraphicFramePr>
         <p:xfrm>
           <a:off x="457200" y="1600200"/>
-          <a:ext cx="8229600" cy="6131560"/>
+          <a:ext cx="8229600" cy="5582920"/>
         </p:xfrm>
         <a:graphic>
           <a:graphicData uri="http://schemas.openxmlformats.org/drawingml/2006/table">
@@ -5003,13 +4980,27 @@
                       <a:endParaRPr lang="fr-FR" dirty="0" smtClean="0"/>
                     </a:p>
                     <a:p>
-                      <a:endParaRPr lang="fr-FR" dirty="0" smtClean="0"/>
+                      <a:r>
+                        <a:rPr lang="fr-FR" dirty="0" smtClean="0"/>
+                        <a:t>Intégrations des affichages statistiques</a:t>
+                      </a:r>
                     </a:p>
                     <a:p>
-                      <a:endParaRPr lang="fr-FR" dirty="0" smtClean="0"/>
+                      <a:r>
+                        <a:rPr lang="fr-FR" dirty="0" smtClean="0"/>
+                        <a:t>Gestion des interactions formulaires</a:t>
+                      </a:r>
                     </a:p>
                     <a:p>
-                      <a:endParaRPr lang="fr-FR" dirty="0"/>
+                      <a:r>
+                        <a:rPr lang="fr-FR" dirty="0" smtClean="0"/>
+                        <a:t>Aide</a:t>
+                      </a:r>
+                      <a:r>
+                        <a:rPr lang="fr-FR" baseline="0" dirty="0" smtClean="0"/>
+                        <a:t> mise en forme graphique</a:t>
+                      </a:r>
+                      <a:endParaRPr lang="fr-FR" dirty="0" smtClean="0"/>
                     </a:p>
                   </a:txBody>
                   <a:tcPr/>
@@ -5063,16 +5054,17 @@
                         <a:rPr lang="fr-FR" baseline="0" dirty="0" smtClean="0"/>
                         <a:t>   </a:t>
                       </a:r>
-                      <a:endParaRPr lang="fr-FR" dirty="0" smtClean="0"/>
+                      <a:r>
+                        <a:rPr lang="fr-FR" baseline="0" dirty="0" smtClean="0"/>
+                        <a:t>Gestion des interactions BD / Site Web</a:t>
+                      </a:r>
                     </a:p>
                     <a:p>
+                      <a:r>
+                        <a:rPr lang="fr-FR" baseline="0" dirty="0" smtClean="0"/>
+                        <a:t>   Gestion asynchrone</a:t>
+                      </a:r>
                       <a:endParaRPr lang="fr-FR" dirty="0" smtClean="0"/>
-                    </a:p>
-                    <a:p>
-                      <a:endParaRPr lang="fr-FR" dirty="0" smtClean="0"/>
-                    </a:p>
-                    <a:p>
-                      <a:endParaRPr lang="fr-FR" dirty="0"/>
                     </a:p>
                   </a:txBody>
                   <a:tcPr/>
@@ -5308,7 +5300,7 @@
         </p:nvCxnSpPr>
         <p:spPr>
           <a:xfrm>
-            <a:off x="2051720" y="5445224"/>
+            <a:off x="2051720" y="4869160"/>
             <a:ext cx="288032" cy="0"/>
           </a:xfrm>
           <a:prstGeom prst="straightConnector1">
